--- a/Weekly reports/Weekly report – Aung Myin Kyaw 25-08-2018.pptx
+++ b/Weekly reports/Weekly report – Aung Myin Kyaw 25-08-2018.pptx
@@ -7,10 +7,10 @@
     <p:sldMasterId id="2147483673" r:id="rId3"/>
   </p:sldMasterIdLst>
   <p:notesMasterIdLst>
-    <p:notesMasterId r:id="rId9"/>
+    <p:notesMasterId r:id="rId10"/>
   </p:notesMasterIdLst>
   <p:handoutMasterIdLst>
-    <p:handoutMasterId r:id="rId10"/>
+    <p:handoutMasterId r:id="rId11"/>
   </p:handoutMasterIdLst>
   <p:sldIdLst>
     <p:sldId id="458" r:id="rId4"/>
@@ -18,6 +18,7 @@
     <p:sldId id="467" r:id="rId6"/>
     <p:sldId id="469" r:id="rId7"/>
     <p:sldId id="470" r:id="rId8"/>
+    <p:sldId id="471" r:id="rId9"/>
   </p:sldIdLst>
   <p:sldSz cx="9144000" cy="6858000" type="screen4x3"/>
   <p:notesSz cx="6797675" cy="9926638"/>
@@ -500,7 +501,7 @@
               <a:pPr>
                 <a:defRPr/>
               </a:pPr>
-              <a:t>8/25/2018</a:t>
+              <a:t>9/26/2018</a:t>
             </a:fld>
             <a:endParaRPr lang="en-US" dirty="0"/>
           </a:p>
@@ -10853,6 +10854,96 @@
     <p:extLst>
       <p:ext uri="{BB962C8B-B14F-4D97-AF65-F5344CB8AC3E}">
         <p14:creationId xmlns:p14="http://schemas.microsoft.com/office/powerpoint/2010/main" val="2263545213"/>
+      </p:ext>
+    </p:extLst>
+  </p:cSld>
+  <p:clrMapOvr>
+    <a:masterClrMapping/>
+  </p:clrMapOvr>
+</p:sld>
+</file>
+
+<file path=ppt/slides/slide6.xml><?xml version="1.0" encoding="utf-8"?>
+<p:sld xmlns:a="http://schemas.openxmlformats.org/drawingml/2006/main" xmlns:r="http://schemas.openxmlformats.org/officeDocument/2006/relationships" xmlns:p="http://schemas.openxmlformats.org/presentationml/2006/main">
+  <p:cSld>
+    <p:spTree>
+      <p:nvGrpSpPr>
+        <p:cNvPr id="1" name=""/>
+        <p:cNvGrpSpPr/>
+        <p:nvPr/>
+      </p:nvGrpSpPr>
+      <p:grpSpPr>
+        <a:xfrm>
+          <a:off x="0" y="0"/>
+          <a:ext cx="0" cy="0"/>
+          <a:chOff x="0" y="0"/>
+          <a:chExt cx="0" cy="0"/>
+        </a:xfrm>
+      </p:grpSpPr>
+      <p:sp>
+        <p:nvSpPr>
+          <p:cNvPr id="2" name="Slide Number Placeholder 1">
+            <a:extLst>
+              <a:ext uri="{FF2B5EF4-FFF2-40B4-BE49-F238E27FC236}">
+                <a16:creationId xmlns:a16="http://schemas.microsoft.com/office/drawing/2014/main" id="{DF4EDEA2-25CC-485F-939C-5278835014EF}"/>
+              </a:ext>
+            </a:extLst>
+          </p:cNvPr>
+          <p:cNvSpPr>
+            <a:spLocks noGrp="1"/>
+          </p:cNvSpPr>
+          <p:nvPr>
+            <p:ph type="sldNum" sz="quarter" idx="4"/>
+          </p:nvPr>
+        </p:nvSpPr>
+        <p:spPr/>
+        <p:txBody>
+          <a:bodyPr/>
+          <a:lstStyle/>
+          <a:p>
+            <a:fld id="{6ACD2AB1-593E-4D29-B669-4AE8EFC024DF}" type="slidenum">
+              <a:rPr lang="en-US" smtClean="0"/>
+              <a:pPr/>
+              <a:t>6</a:t>
+            </a:fld>
+            <a:endParaRPr lang="en-US"/>
+          </a:p>
+        </p:txBody>
+      </p:sp>
+      <p:pic>
+        <p:nvPicPr>
+          <p:cNvPr id="3" name="Picture 2">
+            <a:extLst>
+              <a:ext uri="{FF2B5EF4-FFF2-40B4-BE49-F238E27FC236}">
+                <a16:creationId xmlns:a16="http://schemas.microsoft.com/office/drawing/2014/main" id="{7E5ABD53-F6AF-4A45-BC41-170C96439EDC}"/>
+              </a:ext>
+            </a:extLst>
+          </p:cNvPr>
+          <p:cNvPicPr>
+            <a:picLocks noChangeAspect="1"/>
+          </p:cNvPicPr>
+          <p:nvPr/>
+        </p:nvPicPr>
+        <p:blipFill>
+          <a:blip r:embed="rId2"/>
+          <a:stretch>
+            <a:fillRect/>
+          </a:stretch>
+        </p:blipFill>
+        <p:spPr>
+          <a:xfrm>
+            <a:off x="0" y="857250"/>
+            <a:ext cx="9144000" cy="5143500"/>
+          </a:xfrm>
+          <a:prstGeom prst="rect">
+            <a:avLst/>
+          </a:prstGeom>
+        </p:spPr>
+      </p:pic>
+    </p:spTree>
+    <p:extLst>
+      <p:ext uri="{BB962C8B-B14F-4D97-AF65-F5344CB8AC3E}">
+        <p14:creationId xmlns:p14="http://schemas.microsoft.com/office/powerpoint/2010/main" val="516325397"/>
       </p:ext>
     </p:extLst>
   </p:cSld>
